--- a/Spam Detection/Natural language Processing.pptx
+++ b/Spam Detection/Natural language Processing.pptx
@@ -532,7 +532,7 @@
           <a:p>
             <a:fld id="{813AACD0-F547-482F-A950-8432250097B5}" type="datetimeFigureOut">
               <a:rPr lang="en-CA" smtClean="0"/>
-              <a:t>2019-10-20</a:t>
+              <a:t>2019-10-21</a:t>
             </a:fld>
             <a:endParaRPr lang="en-CA"/>
           </a:p>
@@ -711,7 +711,7 @@
           <a:p>
             <a:fld id="{813AACD0-F547-482F-A950-8432250097B5}" type="datetimeFigureOut">
               <a:rPr lang="en-CA" smtClean="0"/>
-              <a:t>2019-10-20</a:t>
+              <a:t>2019-10-21</a:t>
             </a:fld>
             <a:endParaRPr lang="en-CA"/>
           </a:p>
@@ -891,7 +891,7 @@
           <a:p>
             <a:fld id="{813AACD0-F547-482F-A950-8432250097B5}" type="datetimeFigureOut">
               <a:rPr lang="en-CA" smtClean="0"/>
-              <a:t>2019-10-20</a:t>
+              <a:t>2019-10-21</a:t>
             </a:fld>
             <a:endParaRPr lang="en-CA"/>
           </a:p>
@@ -1061,7 +1061,7 @@
           <a:p>
             <a:fld id="{813AACD0-F547-482F-A950-8432250097B5}" type="datetimeFigureOut">
               <a:rPr lang="en-CA" smtClean="0"/>
-              <a:t>2019-10-20</a:t>
+              <a:t>2019-10-21</a:t>
             </a:fld>
             <a:endParaRPr lang="en-CA"/>
           </a:p>
@@ -1374,7 +1374,7 @@
           <a:p>
             <a:fld id="{813AACD0-F547-482F-A950-8432250097B5}" type="datetimeFigureOut">
               <a:rPr lang="en-CA" smtClean="0"/>
-              <a:t>2019-10-20</a:t>
+              <a:t>2019-10-21</a:t>
             </a:fld>
             <a:endParaRPr lang="en-CA"/>
           </a:p>
@@ -1760,7 +1760,7 @@
           <a:p>
             <a:fld id="{813AACD0-F547-482F-A950-8432250097B5}" type="datetimeFigureOut">
               <a:rPr lang="en-CA" smtClean="0"/>
-              <a:t>2019-10-20</a:t>
+              <a:t>2019-10-21</a:t>
             </a:fld>
             <a:endParaRPr lang="en-CA"/>
           </a:p>
@@ -2194,7 +2194,7 @@
           <a:p>
             <a:fld id="{813AACD0-F547-482F-A950-8432250097B5}" type="datetimeFigureOut">
               <a:rPr lang="en-CA" smtClean="0"/>
-              <a:t>2019-10-20</a:t>
+              <a:t>2019-10-21</a:t>
             </a:fld>
             <a:endParaRPr lang="en-CA"/>
           </a:p>
@@ -2312,7 +2312,7 @@
           <a:p>
             <a:fld id="{813AACD0-F547-482F-A950-8432250097B5}" type="datetimeFigureOut">
               <a:rPr lang="en-CA" smtClean="0"/>
-              <a:t>2019-10-20</a:t>
+              <a:t>2019-10-21</a:t>
             </a:fld>
             <a:endParaRPr lang="en-CA"/>
           </a:p>
@@ -2407,7 +2407,7 @@
           <a:p>
             <a:fld id="{813AACD0-F547-482F-A950-8432250097B5}" type="datetimeFigureOut">
               <a:rPr lang="en-CA" smtClean="0"/>
-              <a:t>2019-10-20</a:t>
+              <a:t>2019-10-21</a:t>
             </a:fld>
             <a:endParaRPr lang="en-CA"/>
           </a:p>
@@ -2757,7 +2757,7 @@
           <a:p>
             <a:fld id="{813AACD0-F547-482F-A950-8432250097B5}" type="datetimeFigureOut">
               <a:rPr lang="en-CA" smtClean="0"/>
-              <a:t>2019-10-20</a:t>
+              <a:t>2019-10-21</a:t>
             </a:fld>
             <a:endParaRPr lang="en-CA"/>
           </a:p>
@@ -3182,7 +3182,7 @@
           <a:p>
             <a:fld id="{813AACD0-F547-482F-A950-8432250097B5}" type="datetimeFigureOut">
               <a:rPr lang="en-CA" smtClean="0"/>
-              <a:t>2019-10-20</a:t>
+              <a:t>2019-10-21</a:t>
             </a:fld>
             <a:endParaRPr lang="en-CA"/>
           </a:p>
@@ -3463,7 +3463,7 @@
           <a:p>
             <a:fld id="{813AACD0-F547-482F-A950-8432250097B5}" type="datetimeFigureOut">
               <a:rPr lang="en-CA" smtClean="0"/>
-              <a:t>2019-10-20</a:t>
+              <a:t>2019-10-21</a:t>
             </a:fld>
             <a:endParaRPr lang="en-CA"/>
           </a:p>
@@ -5400,7 +5400,7 @@
         </p:spPr>
         <p:txBody>
           <a:bodyPr>
-            <a:normAutofit lnSpcReduction="10000"/>
+            <a:normAutofit fontScale="92500" lnSpcReduction="10000"/>
           </a:bodyPr>
           <a:lstStyle/>
           <a:p>
@@ -5430,11 +5430,11 @@
             </a:pPr>
             <a:r>
               <a:rPr lang="fr-FR" dirty="0"/>
-              <a:t>	Confusion Matrix: [[28 3] [ 2 19]] 	</a:t>
+              <a:t>	</a:t>
             </a:r>
             <a:r>
               <a:rPr lang="en-CA" dirty="0"/>
-              <a:t>Accuracy: 0.903</a:t>
+              <a:t>Confusion Matrix: [[14 6] [ 2 14]]		 Accuracy: 0.77</a:t>
             </a:r>
           </a:p>
           <a:p>
@@ -5456,15 +5456,7 @@
             </a:r>
             <a:r>
               <a:rPr lang="en-CA" dirty="0"/>
-              <a:t> </a:t>
-            </a:r>
-            <a:r>
-              <a:rPr lang="fr-FR" dirty="0"/>
-              <a:t>Confusion Matrix: [[31 0] [ 5 16]] 	</a:t>
-            </a:r>
-            <a:r>
-              <a:rPr lang="en-CA" dirty="0"/>
-              <a:t>Accuracy: 0.903</a:t>
+              <a:t> Confusion Matrix: [[16 4] [ 5 11]] 	Accuracy: 0.75</a:t>
             </a:r>
           </a:p>
           <a:p>
@@ -5486,16 +5478,13 @@
             </a:r>
             <a:r>
               <a:rPr lang="fr-FR" dirty="0"/>
-              <a:t> Confusion Matrix: [[31 0] [ 9 12]] 	</a:t>
-            </a:r>
-            <a:r>
-              <a:rPr lang="fr-FR" dirty="0" err="1"/>
-              <a:t>Accuracy</a:t>
-            </a:r>
-            <a:r>
-              <a:rPr lang="fr-FR" dirty="0"/>
-              <a:t>: 0.826</a:t>
-            </a:r>
+              <a:t> </a:t>
+            </a:r>
+            <a:r>
+              <a:rPr lang="en-CA" dirty="0"/>
+              <a:t>Confusion Matrix: [[20 0] [15 1]] 		Accuracy: 0.58</a:t>
+            </a:r>
+            <a:endParaRPr lang="fr-FR" dirty="0"/>
           </a:p>
           <a:p>
             <a:pPr marL="0" indent="0">
@@ -5516,16 +5505,13 @@
             </a:r>
             <a:r>
               <a:rPr lang="fr-FR" dirty="0"/>
-              <a:t> Confusion Matrix: [[31 0] [ 5 16]] 	</a:t>
-            </a:r>
-            <a:r>
-              <a:rPr lang="fr-FR" dirty="0" err="1"/>
-              <a:t>Accuracy</a:t>
-            </a:r>
-            <a:r>
-              <a:rPr lang="fr-FR" dirty="0"/>
-              <a:t>: 0.903</a:t>
-            </a:r>
+              <a:t> </a:t>
+            </a:r>
+            <a:r>
+              <a:rPr lang="en-CA" dirty="0"/>
+              <a:t>Confusion Matrix: [[20 0] [16 0]]		 Accuracy: 0.55</a:t>
+            </a:r>
+            <a:endParaRPr lang="fr-FR" dirty="0"/>
           </a:p>
           <a:p>
             <a:pPr marL="0" indent="0">
@@ -5546,17 +5532,12 @@
             </a:r>
             <a:r>
               <a:rPr lang="fr-FR" dirty="0"/>
-              <a:t> Confusion Matrix: [[31 0] [ 2 19]] 	</a:t>
-            </a:r>
-            <a:r>
-              <a:rPr lang="fr-FR" dirty="0" err="1"/>
-              <a:t>Accuracy</a:t>
-            </a:r>
-            <a:r>
-              <a:rPr lang="fr-FR" dirty="0"/>
-              <a:t>: 0.961</a:t>
-            </a:r>
-            <a:endParaRPr lang="en-CA" dirty="0"/>
+              <a:t> </a:t>
+            </a:r>
+            <a:r>
+              <a:rPr lang="en-CA" dirty="0"/>
+              <a:t>Confusion Matrix: [[18 2] [ 2 14]] 	Accuracy: 0.88</a:t>
+            </a:r>
           </a:p>
         </p:txBody>
       </p:sp>
@@ -6131,12 +6112,6 @@
             <a:r>
               <a:rPr lang="en-CA" dirty="0"/>
               <a:t>ML model is created which is able to classify articles as News or Advertisements.</a:t>
-            </a:r>
-          </a:p>
-          <a:p>
-            <a:r>
-              <a:rPr lang="en-CA" dirty="0"/>
-              <a:t>The current experiment is like an Sand if we consider Data Science as a Beach.</a:t>
             </a:r>
           </a:p>
           <a:p>
